--- a/Documentação/User Story.pptx
+++ b/Documentação/User Story.pptx
@@ -104,6 +104,11 @@
       </a:defRPr>
     </a:lvl9pPr>
   </p:defaultTextStyle>
+  <p:extLst>
+    <p:ext uri="{EFAFB233-063F-42B5-8137-9DF3F51BA10A}">
+      <p15:sldGuideLst xmlns:p15="http://schemas.microsoft.com/office/powerpoint/2012/main"/>
+    </p:ext>
+  </p:extLst>
 </p:presentation>
 </file>
 
@@ -254,7 +259,7 @@
           <a:p>
             <a:fld id="{33ACE821-CB0D-4C84-BC12-ED60C49F60AE}" type="datetimeFigureOut">
               <a:rPr lang="pt-BR" smtClean="0"/>
-              <a:t>17/03/2021</a:t>
+              <a:t>25/03/2021</a:t>
             </a:fld>
             <a:endParaRPr lang="pt-BR"/>
           </a:p>
@@ -452,7 +457,7 @@
           <a:p>
             <a:fld id="{33ACE821-CB0D-4C84-BC12-ED60C49F60AE}" type="datetimeFigureOut">
               <a:rPr lang="pt-BR" smtClean="0"/>
-              <a:t>17/03/2021</a:t>
+              <a:t>25/03/2021</a:t>
             </a:fld>
             <a:endParaRPr lang="pt-BR"/>
           </a:p>
@@ -660,7 +665,7 @@
           <a:p>
             <a:fld id="{33ACE821-CB0D-4C84-BC12-ED60C49F60AE}" type="datetimeFigureOut">
               <a:rPr lang="pt-BR" smtClean="0"/>
-              <a:t>17/03/2021</a:t>
+              <a:t>25/03/2021</a:t>
             </a:fld>
             <a:endParaRPr lang="pt-BR"/>
           </a:p>
@@ -858,7 +863,7 @@
           <a:p>
             <a:fld id="{33ACE821-CB0D-4C84-BC12-ED60C49F60AE}" type="datetimeFigureOut">
               <a:rPr lang="pt-BR" smtClean="0"/>
-              <a:t>17/03/2021</a:t>
+              <a:t>25/03/2021</a:t>
             </a:fld>
             <a:endParaRPr lang="pt-BR"/>
           </a:p>
@@ -1133,7 +1138,7 @@
           <a:p>
             <a:fld id="{33ACE821-CB0D-4C84-BC12-ED60C49F60AE}" type="datetimeFigureOut">
               <a:rPr lang="pt-BR" smtClean="0"/>
-              <a:t>17/03/2021</a:t>
+              <a:t>25/03/2021</a:t>
             </a:fld>
             <a:endParaRPr lang="pt-BR"/>
           </a:p>
@@ -1398,7 +1403,7 @@
           <a:p>
             <a:fld id="{33ACE821-CB0D-4C84-BC12-ED60C49F60AE}" type="datetimeFigureOut">
               <a:rPr lang="pt-BR" smtClean="0"/>
-              <a:t>17/03/2021</a:t>
+              <a:t>25/03/2021</a:t>
             </a:fld>
             <a:endParaRPr lang="pt-BR"/>
           </a:p>
@@ -1810,7 +1815,7 @@
           <a:p>
             <a:fld id="{33ACE821-CB0D-4C84-BC12-ED60C49F60AE}" type="datetimeFigureOut">
               <a:rPr lang="pt-BR" smtClean="0"/>
-              <a:t>17/03/2021</a:t>
+              <a:t>25/03/2021</a:t>
             </a:fld>
             <a:endParaRPr lang="pt-BR"/>
           </a:p>
@@ -1951,7 +1956,7 @@
           <a:p>
             <a:fld id="{33ACE821-CB0D-4C84-BC12-ED60C49F60AE}" type="datetimeFigureOut">
               <a:rPr lang="pt-BR" smtClean="0"/>
-              <a:t>17/03/2021</a:t>
+              <a:t>25/03/2021</a:t>
             </a:fld>
             <a:endParaRPr lang="pt-BR"/>
           </a:p>
@@ -2064,7 +2069,7 @@
           <a:p>
             <a:fld id="{33ACE821-CB0D-4C84-BC12-ED60C49F60AE}" type="datetimeFigureOut">
               <a:rPr lang="pt-BR" smtClean="0"/>
-              <a:t>17/03/2021</a:t>
+              <a:t>25/03/2021</a:t>
             </a:fld>
             <a:endParaRPr lang="pt-BR"/>
           </a:p>
@@ -2375,7 +2380,7 @@
           <a:p>
             <a:fld id="{33ACE821-CB0D-4C84-BC12-ED60C49F60AE}" type="datetimeFigureOut">
               <a:rPr lang="pt-BR" smtClean="0"/>
-              <a:t>17/03/2021</a:t>
+              <a:t>25/03/2021</a:t>
             </a:fld>
             <a:endParaRPr lang="pt-BR"/>
           </a:p>
@@ -2663,7 +2668,7 @@
           <a:p>
             <a:fld id="{33ACE821-CB0D-4C84-BC12-ED60C49F60AE}" type="datetimeFigureOut">
               <a:rPr lang="pt-BR" smtClean="0"/>
-              <a:t>17/03/2021</a:t>
+              <a:t>25/03/2021</a:t>
             </a:fld>
             <a:endParaRPr lang="pt-BR"/>
           </a:p>
@@ -2904,7 +2909,7 @@
           <a:p>
             <a:fld id="{33ACE821-CB0D-4C84-BC12-ED60C49F60AE}" type="datetimeFigureOut">
               <a:rPr lang="pt-BR" smtClean="0"/>
-              <a:t>17/03/2021</a:t>
+              <a:t>25/03/2021</a:t>
             </a:fld>
             <a:endParaRPr lang="pt-BR"/>
           </a:p>
@@ -3339,8 +3344,8 @@
         </p:nvSpPr>
         <p:spPr>
           <a:xfrm>
-            <a:off x="1524000" y="102629"/>
-            <a:ext cx="9144000" cy="573722"/>
+            <a:off x="4760102" y="110581"/>
+            <a:ext cx="2671795" cy="573722"/>
           </a:xfrm>
         </p:spPr>
         <p:txBody>
@@ -3373,8 +3378,8 @@
         </p:nvSpPr>
         <p:spPr>
           <a:xfrm>
-            <a:off x="1922555" y="704351"/>
-            <a:ext cx="2406868" cy="871938"/>
+            <a:off x="93755" y="638884"/>
+            <a:ext cx="1768353" cy="903915"/>
           </a:xfrm>
           <a:prstGeom prst="round2DiagRect">
             <a:avLst/>
@@ -3422,8 +3427,8 @@
         </p:nvSpPr>
         <p:spPr>
           <a:xfrm>
-            <a:off x="4683342" y="668832"/>
-            <a:ext cx="3020069" cy="942976"/>
+            <a:off x="1940143" y="603366"/>
+            <a:ext cx="2093052" cy="942976"/>
           </a:xfrm>
           <a:prstGeom prst="round2DiagRect">
             <a:avLst/>
@@ -3451,7 +3456,7 @@
           <a:p>
             <a:pPr algn="ctr"/>
             <a:r>
-              <a:rPr lang="pt-BR" dirty="0"/>
+              <a:rPr lang="pt-BR" sz="1600" dirty="0"/>
               <a:t>QUERO INFORMAÇOES SOBRE MINHAS MAQUINAS</a:t>
             </a:r>
           </a:p>
@@ -3471,7 +3476,7 @@
         </p:nvSpPr>
         <p:spPr>
           <a:xfrm>
-            <a:off x="7962898" y="633313"/>
+            <a:off x="4195796" y="576653"/>
             <a:ext cx="2095500" cy="942976"/>
           </a:xfrm>
           <a:prstGeom prst="round2DiagRect">
@@ -3500,7 +3505,7 @@
           <a:p>
             <a:pPr algn="ctr"/>
             <a:r>
-              <a:rPr lang="pt-BR" dirty="0"/>
+              <a:rPr lang="pt-BR" sz="1600" dirty="0"/>
               <a:t>PARA TER AGILIDADE NA MANUTENÇÃO</a:t>
             </a:r>
           </a:p>
@@ -3520,8 +3525,8 @@
         </p:nvSpPr>
         <p:spPr>
           <a:xfrm>
-            <a:off x="1922555" y="1672650"/>
-            <a:ext cx="2406868" cy="942975"/>
+            <a:off x="6397055" y="2589303"/>
+            <a:ext cx="1740627" cy="942976"/>
           </a:xfrm>
           <a:prstGeom prst="round2DiagRect">
             <a:avLst/>
@@ -3569,12 +3574,15 @@
         </p:nvSpPr>
         <p:spPr>
           <a:xfrm>
-            <a:off x="4683342" y="3666635"/>
-            <a:ext cx="3020069" cy="906895"/>
+            <a:off x="1940143" y="3632316"/>
+            <a:ext cx="2136558" cy="906895"/>
           </a:xfrm>
           <a:prstGeom prst="round2DiagRect">
             <a:avLst/>
           </a:prstGeom>
+          <a:solidFill>
+            <a:srgbClr val="92D050"/>
+          </a:solidFill>
         </p:spPr>
         <p:style>
           <a:lnRef idx="2">
@@ -3598,7 +3606,7 @@
           <a:p>
             <a:pPr algn="ctr"/>
             <a:r>
-              <a:rPr lang="pt-BR" dirty="0"/>
+              <a:rPr lang="pt-BR" sz="1600" dirty="0"/>
               <a:t>QUERO, NÃO PRECISAR PEGAR FILA</a:t>
             </a:r>
           </a:p>
@@ -3618,8 +3626,8 @@
         </p:nvSpPr>
         <p:spPr>
           <a:xfrm>
-            <a:off x="4687795" y="1672650"/>
-            <a:ext cx="3020069" cy="900631"/>
+            <a:off x="8215719" y="2580115"/>
+            <a:ext cx="1956980" cy="900631"/>
           </a:xfrm>
           <a:prstGeom prst="round2DiagRect">
             <a:avLst/>
@@ -3647,8 +3655,8 @@
           <a:p>
             <a:pPr algn="ctr"/>
             <a:r>
-              <a:rPr lang="pt-BR" dirty="0"/>
-              <a:t>QUERO VERIFICAR AS ATIVIDADES DOS FUNCIONARIOS</a:t>
+              <a:rPr lang="pt-BR" sz="1600" dirty="0"/>
+              <a:t>QUERO, VERIFICAR AS ATIVIDADES DOS FUNCIONARIOS</a:t>
             </a:r>
           </a:p>
         </p:txBody>
@@ -3667,12 +3675,17 @@
         </p:nvSpPr>
         <p:spPr>
           <a:xfrm>
-            <a:off x="4683343" y="2669643"/>
-            <a:ext cx="3020069" cy="900630"/>
+            <a:off x="1940143" y="2622462"/>
+            <a:ext cx="2136558" cy="900630"/>
           </a:xfrm>
           <a:prstGeom prst="round2DiagRect">
             <a:avLst/>
           </a:prstGeom>
+          <a:solidFill>
+            <a:schemeClr val="bg2">
+              <a:lumMod val="50000"/>
+            </a:schemeClr>
+          </a:solidFill>
         </p:spPr>
         <p:style>
           <a:lnRef idx="2">
@@ -3696,8 +3709,8 @@
           <a:p>
             <a:pPr algn="ctr"/>
             <a:r>
-              <a:rPr lang="pt-BR" dirty="0"/>
-              <a:t>QUERO VELOCIDADE NO SISTEMA</a:t>
+              <a:rPr lang="pt-BR" sz="1600" dirty="0"/>
+              <a:t>QUERO, ABERTURA DE CHAMADO</a:t>
             </a:r>
           </a:p>
         </p:txBody>
@@ -3716,12 +3729,17 @@
         </p:nvSpPr>
         <p:spPr>
           <a:xfrm>
-            <a:off x="1922555" y="2711986"/>
-            <a:ext cx="2406868" cy="942975"/>
+            <a:off x="93755" y="2646521"/>
+            <a:ext cx="1740627" cy="876571"/>
           </a:xfrm>
           <a:prstGeom prst="round2DiagRect">
             <a:avLst/>
           </a:prstGeom>
+          <a:solidFill>
+            <a:schemeClr val="bg2">
+              <a:lumMod val="50000"/>
+            </a:schemeClr>
+          </a:solidFill>
         </p:spPr>
         <p:style>
           <a:lnRef idx="2">
@@ -3772,8 +3790,8 @@
         </p:nvSpPr>
         <p:spPr>
           <a:xfrm>
-            <a:off x="7962899" y="1651477"/>
-            <a:ext cx="2095498" cy="942975"/>
+            <a:off x="10250736" y="2566149"/>
+            <a:ext cx="1857824" cy="900632"/>
           </a:xfrm>
           <a:prstGeom prst="round2DiagRect">
             <a:avLst/>
@@ -3801,7 +3819,7 @@
           <a:p>
             <a:pPr algn="ctr"/>
             <a:r>
-              <a:rPr lang="pt-BR" dirty="0"/>
+              <a:rPr lang="pt-BR" sz="1600" dirty="0"/>
               <a:t>PARA MONITORAR A PRODUTIVIDADE</a:t>
             </a:r>
           </a:p>
@@ -3821,12 +3839,15 @@
         </p:nvSpPr>
         <p:spPr>
           <a:xfrm>
-            <a:off x="7962899" y="3666711"/>
-            <a:ext cx="2095500" cy="942975"/>
+            <a:off x="4195796" y="3611438"/>
+            <a:ext cx="2063529" cy="942975"/>
           </a:xfrm>
           <a:prstGeom prst="round2DiagRect">
             <a:avLst/>
           </a:prstGeom>
+          <a:solidFill>
+            <a:srgbClr val="92D050"/>
+          </a:solidFill>
         </p:spPr>
         <p:style>
           <a:lnRef idx="2">
@@ -3850,7 +3871,7 @@
           <a:p>
             <a:pPr algn="ctr"/>
             <a:r>
-              <a:rPr lang="pt-BR" dirty="0"/>
+              <a:rPr lang="pt-BR" sz="1600" dirty="0"/>
               <a:t>PARA ECONOMIZAR TEMPO</a:t>
             </a:r>
           </a:p>
@@ -3870,12 +3891,17 @@
         </p:nvSpPr>
         <p:spPr>
           <a:xfrm>
-            <a:off x="7962898" y="2666756"/>
-            <a:ext cx="2095500" cy="942975"/>
+            <a:off x="4182462" y="2589304"/>
+            <a:ext cx="2076864" cy="942975"/>
           </a:xfrm>
           <a:prstGeom prst="round2DiagRect">
             <a:avLst/>
           </a:prstGeom>
+          <a:solidFill>
+            <a:schemeClr val="bg2">
+              <a:lumMod val="50000"/>
+            </a:schemeClr>
+          </a:solidFill>
         </p:spPr>
         <p:style>
           <a:lnRef idx="2">
@@ -3899,8 +3925,8 @@
           <a:p>
             <a:pPr algn="ctr"/>
             <a:r>
-              <a:rPr lang="pt-BR" dirty="0"/>
-              <a:t>PARA A SATISFAÇÃO DO CLIENTE</a:t>
+              <a:rPr lang="pt-BR" sz="1600" dirty="0"/>
+              <a:t>PARA A ORGANIZAÇÃO DO MEU TIME</a:t>
             </a:r>
           </a:p>
         </p:txBody>
@@ -3919,12 +3945,15 @@
         </p:nvSpPr>
         <p:spPr>
           <a:xfrm>
-            <a:off x="1922555" y="3735333"/>
-            <a:ext cx="2406867" cy="942975"/>
+            <a:off x="93755" y="3669868"/>
+            <a:ext cx="1740627" cy="869343"/>
           </a:xfrm>
           <a:prstGeom prst="round2DiagRect">
             <a:avLst/>
           </a:prstGeom>
+          <a:solidFill>
+            <a:srgbClr val="92D050"/>
+          </a:solidFill>
         </p:spPr>
         <p:style>
           <a:lnRef idx="2">
@@ -3968,8 +3997,8 @@
         </p:nvSpPr>
         <p:spPr>
           <a:xfrm>
-            <a:off x="1885950" y="4758680"/>
-            <a:ext cx="2443471" cy="942975"/>
+            <a:off x="93755" y="4701213"/>
+            <a:ext cx="1740628" cy="934976"/>
           </a:xfrm>
           <a:prstGeom prst="round2DiagRect">
             <a:avLst/>
@@ -4017,8 +4046,8 @@
         </p:nvSpPr>
         <p:spPr>
           <a:xfrm>
-            <a:off x="4683342" y="4681989"/>
-            <a:ext cx="3020069" cy="942975"/>
+            <a:off x="1926807" y="4688828"/>
+            <a:ext cx="2149893" cy="942975"/>
           </a:xfrm>
           <a:prstGeom prst="round2DiagRect">
             <a:avLst/>
@@ -4046,8 +4075,8 @@
           <a:p>
             <a:pPr algn="ctr"/>
             <a:r>
-              <a:rPr lang="pt-BR" dirty="0"/>
-              <a:t>QUERO SABER A LOCALIZAÇÃO DOS MEUS FUNCIONARIOS</a:t>
+              <a:rPr lang="pt-BR" sz="1600" dirty="0"/>
+              <a:t>QUERO, SABER A LOCALIZAÇÃO DOS MEUS FUNCIONARIOS</a:t>
             </a:r>
           </a:p>
         </p:txBody>
@@ -4066,8 +4095,8 @@
         </p:nvSpPr>
         <p:spPr>
           <a:xfrm>
-            <a:off x="7962899" y="4681990"/>
-            <a:ext cx="2095500" cy="942975"/>
+            <a:off x="4195796" y="4633572"/>
+            <a:ext cx="2076864" cy="942975"/>
           </a:xfrm>
           <a:prstGeom prst="round2DiagRect">
             <a:avLst/>
@@ -4095,7 +4124,7 @@
           <a:p>
             <a:pPr algn="ctr"/>
             <a:r>
-              <a:rPr lang="pt-BR" dirty="0"/>
+              <a:rPr lang="pt-BR" sz="1600" dirty="0"/>
               <a:t>PARA APLICAR MELHORIAS NO ATENDIMENTO</a:t>
             </a:r>
           </a:p>
@@ -4115,12 +4144,17 @@
         </p:nvSpPr>
         <p:spPr>
           <a:xfrm>
-            <a:off x="4605925" y="5773399"/>
-            <a:ext cx="3174902" cy="942975"/>
+            <a:off x="8170566" y="5614271"/>
+            <a:ext cx="2039398" cy="1033132"/>
           </a:xfrm>
           <a:prstGeom prst="round2DiagRect">
             <a:avLst/>
           </a:prstGeom>
+          <a:solidFill>
+            <a:schemeClr val="bg2">
+              <a:lumMod val="50000"/>
+            </a:schemeClr>
+          </a:solidFill>
         </p:spPr>
         <p:style>
           <a:lnRef idx="2">
@@ -4144,8 +4178,8 @@
           <a:p>
             <a:pPr algn="ctr"/>
             <a:r>
-              <a:rPr lang="pt-BR" dirty="0"/>
-              <a:t>QUERO SABER DO DESEMPENHO DAS MAQUINAS DAS MINHAS FRANQUIAS</a:t>
+              <a:rPr lang="pt-BR" sz="1600" dirty="0"/>
+              <a:t>QUER,O SABER DO DESEMPENHO DAS MAQUINAS DAS MINHAS FRANQUIAS</a:t>
             </a:r>
           </a:p>
         </p:txBody>
@@ -4164,12 +4198,17 @@
         </p:nvSpPr>
         <p:spPr>
           <a:xfrm>
-            <a:off x="1885950" y="5801622"/>
-            <a:ext cx="2443471" cy="942975"/>
+            <a:off x="6384479" y="5664295"/>
+            <a:ext cx="1740627" cy="988317"/>
           </a:xfrm>
           <a:prstGeom prst="round2DiagRect">
             <a:avLst/>
           </a:prstGeom>
+          <a:solidFill>
+            <a:schemeClr val="bg2">
+              <a:lumMod val="50000"/>
+            </a:schemeClr>
+          </a:solidFill>
         </p:spPr>
         <p:style>
           <a:lnRef idx="2">
@@ -4220,12 +4259,17 @@
         </p:nvSpPr>
         <p:spPr>
           <a:xfrm>
-            <a:off x="7962900" y="5697269"/>
-            <a:ext cx="2095500" cy="1047328"/>
+            <a:off x="10265193" y="5616852"/>
+            <a:ext cx="1843367" cy="1030551"/>
           </a:xfrm>
           <a:prstGeom prst="round2DiagRect">
             <a:avLst/>
           </a:prstGeom>
+          <a:solidFill>
+            <a:schemeClr val="bg2">
+              <a:lumMod val="50000"/>
+            </a:schemeClr>
+          </a:solidFill>
         </p:spPr>
         <p:style>
           <a:lnRef idx="2">
@@ -4249,8 +4293,964 @@
           <a:p>
             <a:pPr algn="ctr"/>
             <a:r>
+              <a:rPr lang="pt-BR" sz="1600" dirty="0"/>
+              <a:t>PARA EU ENTENDER O ANDAMENTO DO NEGOCIO</a:t>
+            </a:r>
+          </a:p>
+        </p:txBody>
+      </p:sp>
+      <p:sp>
+        <p:nvSpPr>
+          <p:cNvPr id="25" name="Retângulo: Cantos Diagonais Arredondados 24">
+            <a:extLst>
+              <a:ext uri="{FF2B5EF4-FFF2-40B4-BE49-F238E27FC236}">
+                <a16:creationId xmlns:a16="http://schemas.microsoft.com/office/drawing/2014/main" id="{98FAC573-4B81-4254-BECE-62A76BC528A7}"/>
+              </a:ext>
+            </a:extLst>
+          </p:cNvPr>
+          <p:cNvSpPr/>
+          <p:nvPr/>
+        </p:nvSpPr>
+        <p:spPr>
+          <a:xfrm>
+            <a:off x="6397057" y="577173"/>
+            <a:ext cx="1740627" cy="942456"/>
+          </a:xfrm>
+          <a:prstGeom prst="round2DiagRect">
+            <a:avLst/>
+          </a:prstGeom>
+          <a:solidFill>
+            <a:schemeClr val="bg2">
+              <a:lumMod val="50000"/>
+            </a:schemeClr>
+          </a:solidFill>
+        </p:spPr>
+        <p:style>
+          <a:lnRef idx="2">
+            <a:schemeClr val="accent1">
+              <a:shade val="50000"/>
+            </a:schemeClr>
+          </a:lnRef>
+          <a:fillRef idx="1">
+            <a:schemeClr val="accent1"/>
+          </a:fillRef>
+          <a:effectRef idx="0">
+            <a:schemeClr val="accent1"/>
+          </a:effectRef>
+          <a:fontRef idx="minor">
+            <a:schemeClr val="lt1"/>
+          </a:fontRef>
+        </p:style>
+        <p:txBody>
+          <a:bodyPr rtlCol="0" anchor="ctr"/>
+          <a:lstStyle/>
+          <a:p>
+            <a:pPr algn="ctr"/>
+            <a:r>
               <a:rPr lang="pt-BR" dirty="0"/>
-              <a:t>PARA EU ENTENDER O ANDAMENTO DO NEGOCIO</a:t>
+              <a:t>EU, ENQUANTO DONO</a:t>
+            </a:r>
+          </a:p>
+        </p:txBody>
+      </p:sp>
+      <p:sp>
+        <p:nvSpPr>
+          <p:cNvPr id="26" name="Retângulo: Cantos Diagonais Arredondados 25">
+            <a:extLst>
+              <a:ext uri="{FF2B5EF4-FFF2-40B4-BE49-F238E27FC236}">
+                <a16:creationId xmlns:a16="http://schemas.microsoft.com/office/drawing/2014/main" id="{8F9AC916-44FF-4B12-AF40-D0AF149EEA2A}"/>
+              </a:ext>
+            </a:extLst>
+          </p:cNvPr>
+          <p:cNvSpPr/>
+          <p:nvPr/>
+        </p:nvSpPr>
+        <p:spPr>
+          <a:xfrm>
+            <a:off x="93755" y="1607186"/>
+            <a:ext cx="1740627" cy="912900"/>
+          </a:xfrm>
+          <a:prstGeom prst="round2DiagRect">
+            <a:avLst/>
+          </a:prstGeom>
+          <a:solidFill>
+            <a:srgbClr val="92D050"/>
+          </a:solidFill>
+        </p:spPr>
+        <p:style>
+          <a:lnRef idx="2">
+            <a:schemeClr val="accent1">
+              <a:shade val="50000"/>
+            </a:schemeClr>
+          </a:lnRef>
+          <a:fillRef idx="1">
+            <a:schemeClr val="accent1"/>
+          </a:fillRef>
+          <a:effectRef idx="0">
+            <a:schemeClr val="accent1"/>
+          </a:effectRef>
+          <a:fontRef idx="minor">
+            <a:schemeClr val="lt1"/>
+          </a:fontRef>
+        </p:style>
+        <p:txBody>
+          <a:bodyPr rtlCol="0" anchor="ctr"/>
+          <a:lstStyle/>
+          <a:p>
+            <a:pPr algn="ctr"/>
+            <a:r>
+              <a:rPr lang="pt-BR" dirty="0"/>
+              <a:t>EU, ENQUANTO CLIENTE</a:t>
+            </a:r>
+          </a:p>
+        </p:txBody>
+      </p:sp>
+      <p:sp>
+        <p:nvSpPr>
+          <p:cNvPr id="27" name="Retângulo: Cantos Diagonais Arredondados 26">
+            <a:extLst>
+              <a:ext uri="{FF2B5EF4-FFF2-40B4-BE49-F238E27FC236}">
+                <a16:creationId xmlns:a16="http://schemas.microsoft.com/office/drawing/2014/main" id="{54CF832B-9D17-45DD-9B61-B08FDCCA1669}"/>
+              </a:ext>
+            </a:extLst>
+          </p:cNvPr>
+          <p:cNvSpPr/>
+          <p:nvPr/>
+        </p:nvSpPr>
+        <p:spPr>
+          <a:xfrm>
+            <a:off x="6385149" y="4633571"/>
+            <a:ext cx="1740627" cy="942975"/>
+          </a:xfrm>
+          <a:prstGeom prst="round2DiagRect">
+            <a:avLst/>
+          </a:prstGeom>
+          <a:solidFill>
+            <a:srgbClr val="92D050"/>
+          </a:solidFill>
+        </p:spPr>
+        <p:style>
+          <a:lnRef idx="2">
+            <a:schemeClr val="accent1">
+              <a:shade val="50000"/>
+            </a:schemeClr>
+          </a:lnRef>
+          <a:fillRef idx="1">
+            <a:schemeClr val="accent1"/>
+          </a:fillRef>
+          <a:effectRef idx="0">
+            <a:schemeClr val="accent1"/>
+          </a:effectRef>
+          <a:fontRef idx="minor">
+            <a:schemeClr val="lt1"/>
+          </a:fontRef>
+        </p:style>
+        <p:txBody>
+          <a:bodyPr rtlCol="0" anchor="ctr"/>
+          <a:lstStyle/>
+          <a:p>
+            <a:pPr algn="ctr"/>
+            <a:r>
+              <a:rPr lang="pt-BR" dirty="0"/>
+              <a:t>EU, ENQUANTO CLIENTE</a:t>
+            </a:r>
+          </a:p>
+        </p:txBody>
+      </p:sp>
+      <p:sp>
+        <p:nvSpPr>
+          <p:cNvPr id="28" name="Retângulo: Cantos Diagonais Arredondados 27">
+            <a:extLst>
+              <a:ext uri="{FF2B5EF4-FFF2-40B4-BE49-F238E27FC236}">
+                <a16:creationId xmlns:a16="http://schemas.microsoft.com/office/drawing/2014/main" id="{F85EE5D0-65EF-4340-8D22-8E2D980403D3}"/>
+              </a:ext>
+            </a:extLst>
+          </p:cNvPr>
+          <p:cNvSpPr/>
+          <p:nvPr/>
+        </p:nvSpPr>
+        <p:spPr>
+          <a:xfrm>
+            <a:off x="8215719" y="548481"/>
+            <a:ext cx="1871256" cy="942456"/>
+          </a:xfrm>
+          <a:prstGeom prst="round2DiagRect">
+            <a:avLst/>
+          </a:prstGeom>
+          <a:solidFill>
+            <a:schemeClr val="bg2">
+              <a:lumMod val="50000"/>
+            </a:schemeClr>
+          </a:solidFill>
+        </p:spPr>
+        <p:style>
+          <a:lnRef idx="2">
+            <a:schemeClr val="accent1">
+              <a:shade val="50000"/>
+            </a:schemeClr>
+          </a:lnRef>
+          <a:fillRef idx="1">
+            <a:schemeClr val="accent1"/>
+          </a:fillRef>
+          <a:effectRef idx="0">
+            <a:schemeClr val="accent1"/>
+          </a:effectRef>
+          <a:fontRef idx="minor">
+            <a:schemeClr val="lt1"/>
+          </a:fontRef>
+        </p:style>
+        <p:txBody>
+          <a:bodyPr rtlCol="0" anchor="ctr"/>
+          <a:lstStyle/>
+          <a:p>
+            <a:pPr algn="ctr"/>
+            <a:r>
+              <a:rPr lang="pt-BR" sz="1600" dirty="0"/>
+              <a:t>QUERO, GRAFICOS COM MÉDIAS</a:t>
+            </a:r>
+          </a:p>
+        </p:txBody>
+      </p:sp>
+      <p:sp>
+        <p:nvSpPr>
+          <p:cNvPr id="30" name="Retângulo: Cantos Diagonais Arredondados 29">
+            <a:extLst>
+              <a:ext uri="{FF2B5EF4-FFF2-40B4-BE49-F238E27FC236}">
+                <a16:creationId xmlns:a16="http://schemas.microsoft.com/office/drawing/2014/main" id="{3A2D6AA9-C830-468F-B7D2-6F2A1AD45FA4}"/>
+              </a:ext>
+            </a:extLst>
+          </p:cNvPr>
+          <p:cNvSpPr/>
+          <p:nvPr/>
+        </p:nvSpPr>
+        <p:spPr>
+          <a:xfrm>
+            <a:off x="10194334" y="502619"/>
+            <a:ext cx="1914226" cy="988318"/>
+          </a:xfrm>
+          <a:prstGeom prst="round2DiagRect">
+            <a:avLst/>
+          </a:prstGeom>
+          <a:solidFill>
+            <a:schemeClr val="bg2">
+              <a:lumMod val="50000"/>
+            </a:schemeClr>
+          </a:solidFill>
+        </p:spPr>
+        <p:style>
+          <a:lnRef idx="2">
+            <a:schemeClr val="accent1">
+              <a:shade val="50000"/>
+            </a:schemeClr>
+          </a:lnRef>
+          <a:fillRef idx="1">
+            <a:schemeClr val="accent1"/>
+          </a:fillRef>
+          <a:effectRef idx="0">
+            <a:schemeClr val="accent1"/>
+          </a:effectRef>
+          <a:fontRef idx="minor">
+            <a:schemeClr val="lt1"/>
+          </a:fontRef>
+        </p:style>
+        <p:txBody>
+          <a:bodyPr rtlCol="0" anchor="ctr"/>
+          <a:lstStyle/>
+          <a:p>
+            <a:pPr algn="ctr"/>
+            <a:r>
+              <a:rPr lang="pt-BR" sz="1600" dirty="0"/>
+              <a:t>PARA FACILITAR O MONITORAMENTO</a:t>
+            </a:r>
+          </a:p>
+        </p:txBody>
+      </p:sp>
+      <p:sp>
+        <p:nvSpPr>
+          <p:cNvPr id="31" name="Retângulo: Cantos Diagonais Arredondados 30">
+            <a:extLst>
+              <a:ext uri="{FF2B5EF4-FFF2-40B4-BE49-F238E27FC236}">
+                <a16:creationId xmlns:a16="http://schemas.microsoft.com/office/drawing/2014/main" id="{BD8F7848-D743-438C-8C53-886B3A60E6AF}"/>
+              </a:ext>
+            </a:extLst>
+          </p:cNvPr>
+          <p:cNvSpPr/>
+          <p:nvPr/>
+        </p:nvSpPr>
+        <p:spPr>
+          <a:xfrm>
+            <a:off x="1896637" y="1607626"/>
+            <a:ext cx="2136558" cy="906895"/>
+          </a:xfrm>
+          <a:prstGeom prst="round2DiagRect">
+            <a:avLst/>
+          </a:prstGeom>
+          <a:solidFill>
+            <a:srgbClr val="92D050"/>
+          </a:solidFill>
+        </p:spPr>
+        <p:style>
+          <a:lnRef idx="2">
+            <a:schemeClr val="accent1">
+              <a:shade val="50000"/>
+            </a:schemeClr>
+          </a:lnRef>
+          <a:fillRef idx="1">
+            <a:schemeClr val="accent1"/>
+          </a:fillRef>
+          <a:effectRef idx="0">
+            <a:schemeClr val="accent1"/>
+          </a:effectRef>
+          <a:fontRef idx="minor">
+            <a:schemeClr val="lt1"/>
+          </a:fontRef>
+        </p:style>
+        <p:txBody>
+          <a:bodyPr rtlCol="0" anchor="ctr"/>
+          <a:lstStyle/>
+          <a:p>
+            <a:pPr algn="ctr"/>
+            <a:r>
+              <a:rPr lang="pt-BR" sz="1600" dirty="0"/>
+              <a:t>QUERO, USABILIDADE</a:t>
+            </a:r>
+          </a:p>
+        </p:txBody>
+      </p:sp>
+      <p:sp>
+        <p:nvSpPr>
+          <p:cNvPr id="32" name="Retângulo: Cantos Diagonais Arredondados 31">
+            <a:extLst>
+              <a:ext uri="{FF2B5EF4-FFF2-40B4-BE49-F238E27FC236}">
+                <a16:creationId xmlns:a16="http://schemas.microsoft.com/office/drawing/2014/main" id="{B1F5E722-1642-41DD-BF96-34F8F35AD02B}"/>
+              </a:ext>
+            </a:extLst>
+          </p:cNvPr>
+          <p:cNvSpPr/>
+          <p:nvPr/>
+        </p:nvSpPr>
+        <p:spPr>
+          <a:xfrm>
+            <a:off x="4182461" y="1586344"/>
+            <a:ext cx="2095500" cy="923801"/>
+          </a:xfrm>
+          <a:prstGeom prst="round2DiagRect">
+            <a:avLst/>
+          </a:prstGeom>
+          <a:solidFill>
+            <a:srgbClr val="92D050"/>
+          </a:solidFill>
+        </p:spPr>
+        <p:style>
+          <a:lnRef idx="2">
+            <a:schemeClr val="accent1">
+              <a:shade val="50000"/>
+            </a:schemeClr>
+          </a:lnRef>
+          <a:fillRef idx="1">
+            <a:schemeClr val="accent1"/>
+          </a:fillRef>
+          <a:effectRef idx="0">
+            <a:schemeClr val="accent1"/>
+          </a:effectRef>
+          <a:fontRef idx="minor">
+            <a:schemeClr val="lt1"/>
+          </a:fontRef>
+        </p:style>
+        <p:txBody>
+          <a:bodyPr rtlCol="0" anchor="ctr"/>
+          <a:lstStyle/>
+          <a:p>
+            <a:pPr algn="ctr"/>
+            <a:r>
+              <a:rPr lang="pt-BR" sz="1600" dirty="0"/>
+              <a:t>PARA ECONOMIZAR TEMPO</a:t>
+            </a:r>
+          </a:p>
+        </p:txBody>
+      </p:sp>
+      <p:sp>
+        <p:nvSpPr>
+          <p:cNvPr id="29" name="Retângulo: Cantos Diagonais Arredondados 28">
+            <a:extLst>
+              <a:ext uri="{FF2B5EF4-FFF2-40B4-BE49-F238E27FC236}">
+                <a16:creationId xmlns:a16="http://schemas.microsoft.com/office/drawing/2014/main" id="{5EB7FCBD-120B-40A6-B688-FEA6CAEF9C52}"/>
+              </a:ext>
+            </a:extLst>
+          </p:cNvPr>
+          <p:cNvSpPr/>
+          <p:nvPr/>
+        </p:nvSpPr>
+        <p:spPr>
+          <a:xfrm>
+            <a:off x="8210314" y="4633571"/>
+            <a:ext cx="1956980" cy="906895"/>
+          </a:xfrm>
+          <a:prstGeom prst="round2DiagRect">
+            <a:avLst/>
+          </a:prstGeom>
+          <a:solidFill>
+            <a:srgbClr val="92D050"/>
+          </a:solidFill>
+        </p:spPr>
+        <p:style>
+          <a:lnRef idx="2">
+            <a:schemeClr val="accent1">
+              <a:shade val="50000"/>
+            </a:schemeClr>
+          </a:lnRef>
+          <a:fillRef idx="1">
+            <a:schemeClr val="accent1"/>
+          </a:fillRef>
+          <a:effectRef idx="0">
+            <a:schemeClr val="accent1"/>
+          </a:effectRef>
+          <a:fontRef idx="minor">
+            <a:schemeClr val="lt1"/>
+          </a:fontRef>
+        </p:style>
+        <p:txBody>
+          <a:bodyPr rtlCol="0" anchor="ctr"/>
+          <a:lstStyle/>
+          <a:p>
+            <a:pPr algn="ctr"/>
+            <a:r>
+              <a:rPr lang="pt-BR" sz="1600" dirty="0"/>
+              <a:t>QUERO, VELOCIDADE NO SISTEMA</a:t>
+            </a:r>
+          </a:p>
+        </p:txBody>
+      </p:sp>
+      <p:sp>
+        <p:nvSpPr>
+          <p:cNvPr id="33" name="Retângulo: Cantos Diagonais Arredondados 32">
+            <a:extLst>
+              <a:ext uri="{FF2B5EF4-FFF2-40B4-BE49-F238E27FC236}">
+                <a16:creationId xmlns:a16="http://schemas.microsoft.com/office/drawing/2014/main" id="{0A019082-897B-4EB1-B96F-882B93634A91}"/>
+              </a:ext>
+            </a:extLst>
+          </p:cNvPr>
+          <p:cNvSpPr/>
+          <p:nvPr/>
+        </p:nvSpPr>
+        <p:spPr>
+          <a:xfrm>
+            <a:off x="10257964" y="4615530"/>
+            <a:ext cx="1850596" cy="942975"/>
+          </a:xfrm>
+          <a:prstGeom prst="round2DiagRect">
+            <a:avLst/>
+          </a:prstGeom>
+          <a:solidFill>
+            <a:srgbClr val="92D050"/>
+          </a:solidFill>
+        </p:spPr>
+        <p:style>
+          <a:lnRef idx="2">
+            <a:schemeClr val="accent1">
+              <a:shade val="50000"/>
+            </a:schemeClr>
+          </a:lnRef>
+          <a:fillRef idx="1">
+            <a:schemeClr val="accent1"/>
+          </a:fillRef>
+          <a:effectRef idx="0">
+            <a:schemeClr val="accent1"/>
+          </a:effectRef>
+          <a:fontRef idx="minor">
+            <a:schemeClr val="lt1"/>
+          </a:fontRef>
+        </p:style>
+        <p:txBody>
+          <a:bodyPr rtlCol="0" anchor="ctr"/>
+          <a:lstStyle/>
+          <a:p>
+            <a:pPr algn="ctr"/>
+            <a:r>
+              <a:rPr lang="pt-BR" sz="1600" dirty="0"/>
+              <a:t>PARA MAIS AGILIDADE NA MINHA COMPRA</a:t>
+            </a:r>
+          </a:p>
+        </p:txBody>
+      </p:sp>
+      <p:sp>
+        <p:nvSpPr>
+          <p:cNvPr id="34" name="Retângulo: Cantos Diagonais Arredondados 33">
+            <a:extLst>
+              <a:ext uri="{FF2B5EF4-FFF2-40B4-BE49-F238E27FC236}">
+                <a16:creationId xmlns:a16="http://schemas.microsoft.com/office/drawing/2014/main" id="{FBD9987B-7665-401B-B857-A3A82AA179FB}"/>
+              </a:ext>
+            </a:extLst>
+          </p:cNvPr>
+          <p:cNvSpPr/>
+          <p:nvPr/>
+        </p:nvSpPr>
+        <p:spPr>
+          <a:xfrm>
+            <a:off x="6399640" y="1567689"/>
+            <a:ext cx="1740627" cy="942456"/>
+          </a:xfrm>
+          <a:prstGeom prst="round2DiagRect">
+            <a:avLst/>
+          </a:prstGeom>
+          <a:solidFill>
+            <a:srgbClr val="7030A0"/>
+          </a:solidFill>
+        </p:spPr>
+        <p:style>
+          <a:lnRef idx="2">
+            <a:schemeClr val="accent1">
+              <a:shade val="50000"/>
+            </a:schemeClr>
+          </a:lnRef>
+          <a:fillRef idx="1">
+            <a:schemeClr val="accent1"/>
+          </a:fillRef>
+          <a:effectRef idx="0">
+            <a:schemeClr val="accent1"/>
+          </a:effectRef>
+          <a:fontRef idx="minor">
+            <a:schemeClr val="lt1"/>
+          </a:fontRef>
+        </p:style>
+        <p:txBody>
+          <a:bodyPr rtlCol="0" anchor="ctr"/>
+          <a:lstStyle/>
+          <a:p>
+            <a:pPr algn="ctr"/>
+            <a:r>
+              <a:rPr lang="pt-BR" dirty="0"/>
+              <a:t>EU, ENQUANTO</a:t>
+            </a:r>
+          </a:p>
+          <a:p>
+            <a:pPr algn="ctr"/>
+            <a:r>
+              <a:rPr lang="pt-BR" dirty="0"/>
+              <a:t>USUARIO</a:t>
+            </a:r>
+          </a:p>
+        </p:txBody>
+      </p:sp>
+      <p:sp>
+        <p:nvSpPr>
+          <p:cNvPr id="35" name="Retângulo: Cantos Diagonais Arredondados 34">
+            <a:extLst>
+              <a:ext uri="{FF2B5EF4-FFF2-40B4-BE49-F238E27FC236}">
+                <a16:creationId xmlns:a16="http://schemas.microsoft.com/office/drawing/2014/main" id="{BD3EE534-9917-4B94-ABF5-4A0265E77CCD}"/>
+              </a:ext>
+            </a:extLst>
+          </p:cNvPr>
+          <p:cNvSpPr/>
+          <p:nvPr/>
+        </p:nvSpPr>
+        <p:spPr>
+          <a:xfrm>
+            <a:off x="6385148" y="3611697"/>
+            <a:ext cx="1740627" cy="942456"/>
+          </a:xfrm>
+          <a:prstGeom prst="round2DiagRect">
+            <a:avLst/>
+          </a:prstGeom>
+          <a:solidFill>
+            <a:srgbClr val="7030A0"/>
+          </a:solidFill>
+        </p:spPr>
+        <p:style>
+          <a:lnRef idx="2">
+            <a:schemeClr val="accent1">
+              <a:shade val="50000"/>
+            </a:schemeClr>
+          </a:lnRef>
+          <a:fillRef idx="1">
+            <a:schemeClr val="accent1"/>
+          </a:fillRef>
+          <a:effectRef idx="0">
+            <a:schemeClr val="accent1"/>
+          </a:effectRef>
+          <a:fontRef idx="minor">
+            <a:schemeClr val="lt1"/>
+          </a:fontRef>
+        </p:style>
+        <p:txBody>
+          <a:bodyPr rtlCol="0" anchor="ctr"/>
+          <a:lstStyle/>
+          <a:p>
+            <a:pPr algn="ctr"/>
+            <a:r>
+              <a:rPr lang="pt-BR" dirty="0"/>
+              <a:t>EU, ENQUANTO DONO</a:t>
+            </a:r>
+          </a:p>
+        </p:txBody>
+      </p:sp>
+      <p:sp>
+        <p:nvSpPr>
+          <p:cNvPr id="36" name="Retângulo: Cantos Diagonais Arredondados 35">
+            <a:extLst>
+              <a:ext uri="{FF2B5EF4-FFF2-40B4-BE49-F238E27FC236}">
+                <a16:creationId xmlns:a16="http://schemas.microsoft.com/office/drawing/2014/main" id="{74B6B738-4F2E-4BEF-A7E2-3FBCFE73A558}"/>
+              </a:ext>
+            </a:extLst>
+          </p:cNvPr>
+          <p:cNvSpPr/>
+          <p:nvPr/>
+        </p:nvSpPr>
+        <p:spPr>
+          <a:xfrm>
+            <a:off x="74705" y="5747888"/>
+            <a:ext cx="1740627" cy="942456"/>
+          </a:xfrm>
+          <a:prstGeom prst="round2DiagRect">
+            <a:avLst/>
+          </a:prstGeom>
+          <a:solidFill>
+            <a:srgbClr val="7030A0"/>
+          </a:solidFill>
+        </p:spPr>
+        <p:style>
+          <a:lnRef idx="2">
+            <a:schemeClr val="accent1">
+              <a:shade val="50000"/>
+            </a:schemeClr>
+          </a:lnRef>
+          <a:fillRef idx="1">
+            <a:schemeClr val="accent1"/>
+          </a:fillRef>
+          <a:effectRef idx="0">
+            <a:schemeClr val="accent1"/>
+          </a:effectRef>
+          <a:fontRef idx="minor">
+            <a:schemeClr val="lt1"/>
+          </a:fontRef>
+        </p:style>
+        <p:txBody>
+          <a:bodyPr rtlCol="0" anchor="ctr"/>
+          <a:lstStyle/>
+          <a:p>
+            <a:pPr algn="ctr"/>
+            <a:r>
+              <a:rPr lang="pt-BR" dirty="0"/>
+              <a:t>EU, ENQUANTO USUARIO</a:t>
+            </a:r>
+          </a:p>
+        </p:txBody>
+      </p:sp>
+      <p:sp>
+        <p:nvSpPr>
+          <p:cNvPr id="37" name="Retângulo: Cantos Diagonais Arredondados 36">
+            <a:extLst>
+              <a:ext uri="{FF2B5EF4-FFF2-40B4-BE49-F238E27FC236}">
+                <a16:creationId xmlns:a16="http://schemas.microsoft.com/office/drawing/2014/main" id="{D01FA4F4-44C1-4CA3-9B6E-E23BCEB5B525}"/>
+              </a:ext>
+            </a:extLst>
+          </p:cNvPr>
+          <p:cNvSpPr/>
+          <p:nvPr/>
+        </p:nvSpPr>
+        <p:spPr>
+          <a:xfrm>
+            <a:off x="8210314" y="1577016"/>
+            <a:ext cx="1871256" cy="942456"/>
+          </a:xfrm>
+          <a:prstGeom prst="round2DiagRect">
+            <a:avLst/>
+          </a:prstGeom>
+          <a:solidFill>
+            <a:srgbClr val="7030A0"/>
+          </a:solidFill>
+        </p:spPr>
+        <p:style>
+          <a:lnRef idx="2">
+            <a:schemeClr val="accent1">
+              <a:shade val="50000"/>
+            </a:schemeClr>
+          </a:lnRef>
+          <a:fillRef idx="1">
+            <a:schemeClr val="accent1"/>
+          </a:fillRef>
+          <a:effectRef idx="0">
+            <a:schemeClr val="accent1"/>
+          </a:effectRef>
+          <a:fontRef idx="minor">
+            <a:schemeClr val="lt1"/>
+          </a:fontRef>
+        </p:style>
+        <p:txBody>
+          <a:bodyPr rtlCol="0" anchor="ctr"/>
+          <a:lstStyle/>
+          <a:p>
+            <a:pPr algn="ctr"/>
+            <a:r>
+              <a:rPr lang="pt-BR" sz="1600" dirty="0"/>
+              <a:t>QUERO A ANÁLISE DOS CHAMADOS</a:t>
+            </a:r>
+          </a:p>
+        </p:txBody>
+      </p:sp>
+      <p:sp>
+        <p:nvSpPr>
+          <p:cNvPr id="38" name="Retângulo: Cantos Diagonais Arredondados 37">
+            <a:extLst>
+              <a:ext uri="{FF2B5EF4-FFF2-40B4-BE49-F238E27FC236}">
+                <a16:creationId xmlns:a16="http://schemas.microsoft.com/office/drawing/2014/main" id="{5BE939BA-B8D8-4A4B-887A-F678849011E8}"/>
+              </a:ext>
+            </a:extLst>
+          </p:cNvPr>
+          <p:cNvSpPr/>
+          <p:nvPr/>
+        </p:nvSpPr>
+        <p:spPr>
+          <a:xfrm>
+            <a:off x="8215719" y="3608661"/>
+            <a:ext cx="1941266" cy="942456"/>
+          </a:xfrm>
+          <a:prstGeom prst="round2DiagRect">
+            <a:avLst/>
+          </a:prstGeom>
+          <a:solidFill>
+            <a:srgbClr val="7030A0"/>
+          </a:solidFill>
+        </p:spPr>
+        <p:style>
+          <a:lnRef idx="2">
+            <a:schemeClr val="accent1">
+              <a:shade val="50000"/>
+            </a:schemeClr>
+          </a:lnRef>
+          <a:fillRef idx="1">
+            <a:schemeClr val="accent1"/>
+          </a:fillRef>
+          <a:effectRef idx="0">
+            <a:schemeClr val="accent1"/>
+          </a:effectRef>
+          <a:fontRef idx="minor">
+            <a:schemeClr val="lt1"/>
+          </a:fontRef>
+        </p:style>
+        <p:txBody>
+          <a:bodyPr rtlCol="0" anchor="ctr"/>
+          <a:lstStyle/>
+          <a:p>
+            <a:pPr algn="ctr"/>
+            <a:r>
+              <a:rPr lang="pt-BR" sz="1600" dirty="0"/>
+              <a:t>QUERO, PERSISTENCIA DOS REGISTROS A CADA 5 MINUTO</a:t>
+            </a:r>
+          </a:p>
+        </p:txBody>
+      </p:sp>
+      <p:sp>
+        <p:nvSpPr>
+          <p:cNvPr id="39" name="Retângulo: Cantos Diagonais Arredondados 38">
+            <a:extLst>
+              <a:ext uri="{FF2B5EF4-FFF2-40B4-BE49-F238E27FC236}">
+                <a16:creationId xmlns:a16="http://schemas.microsoft.com/office/drawing/2014/main" id="{9D35AAEC-AD84-4E3A-838A-E19CE331473D}"/>
+              </a:ext>
+            </a:extLst>
+          </p:cNvPr>
+          <p:cNvSpPr/>
+          <p:nvPr/>
+        </p:nvSpPr>
+        <p:spPr>
+          <a:xfrm>
+            <a:off x="1929500" y="5704947"/>
+            <a:ext cx="2103695" cy="942456"/>
+          </a:xfrm>
+          <a:prstGeom prst="round2DiagRect">
+            <a:avLst/>
+          </a:prstGeom>
+          <a:solidFill>
+            <a:srgbClr val="7030A0"/>
+          </a:solidFill>
+        </p:spPr>
+        <p:style>
+          <a:lnRef idx="2">
+            <a:schemeClr val="accent1">
+              <a:shade val="50000"/>
+            </a:schemeClr>
+          </a:lnRef>
+          <a:fillRef idx="1">
+            <a:schemeClr val="accent1"/>
+          </a:fillRef>
+          <a:effectRef idx="0">
+            <a:schemeClr val="accent1"/>
+          </a:effectRef>
+          <a:fontRef idx="minor">
+            <a:schemeClr val="lt1"/>
+          </a:fontRef>
+        </p:style>
+        <p:txBody>
+          <a:bodyPr rtlCol="0" anchor="ctr"/>
+          <a:lstStyle/>
+          <a:p>
+            <a:pPr algn="ctr"/>
+            <a:r>
+              <a:rPr lang="pt-BR" sz="1600" dirty="0"/>
+              <a:t>QUERO, ABERTURA DE CHAMADO</a:t>
+            </a:r>
+          </a:p>
+        </p:txBody>
+      </p:sp>
+      <p:sp>
+        <p:nvSpPr>
+          <p:cNvPr id="40" name="Retângulo: Cantos Diagonais Arredondados 39">
+            <a:extLst>
+              <a:ext uri="{FF2B5EF4-FFF2-40B4-BE49-F238E27FC236}">
+                <a16:creationId xmlns:a16="http://schemas.microsoft.com/office/drawing/2014/main" id="{893D69DD-1DBA-40C4-B72A-50AFB8197723}"/>
+              </a:ext>
+            </a:extLst>
+          </p:cNvPr>
+          <p:cNvSpPr/>
+          <p:nvPr/>
+        </p:nvSpPr>
+        <p:spPr>
+          <a:xfrm>
+            <a:off x="10167294" y="1513418"/>
+            <a:ext cx="1941266" cy="988318"/>
+          </a:xfrm>
+          <a:prstGeom prst="round2DiagRect">
+            <a:avLst/>
+          </a:prstGeom>
+          <a:solidFill>
+            <a:srgbClr val="7030A0"/>
+          </a:solidFill>
+        </p:spPr>
+        <p:style>
+          <a:lnRef idx="2">
+            <a:schemeClr val="accent1">
+              <a:shade val="50000"/>
+            </a:schemeClr>
+          </a:lnRef>
+          <a:fillRef idx="1">
+            <a:schemeClr val="accent1"/>
+          </a:fillRef>
+          <a:effectRef idx="0">
+            <a:schemeClr val="accent1"/>
+          </a:effectRef>
+          <a:fontRef idx="minor">
+            <a:schemeClr val="lt1"/>
+          </a:fontRef>
+        </p:style>
+        <p:txBody>
+          <a:bodyPr rtlCol="0" anchor="ctr"/>
+          <a:lstStyle/>
+          <a:p>
+            <a:pPr algn="ctr"/>
+            <a:r>
+              <a:rPr lang="pt-BR" sz="1600" dirty="0"/>
+              <a:t>PARA O MELHOR DA ORGANIZAÇÃO</a:t>
+            </a:r>
+          </a:p>
+        </p:txBody>
+      </p:sp>
+      <p:sp>
+        <p:nvSpPr>
+          <p:cNvPr id="41" name="Retângulo: Cantos Diagonais Arredondados 40">
+            <a:extLst>
+              <a:ext uri="{FF2B5EF4-FFF2-40B4-BE49-F238E27FC236}">
+                <a16:creationId xmlns:a16="http://schemas.microsoft.com/office/drawing/2014/main" id="{3015CCD7-BEB8-4A3E-9E6C-845263CD5A2D}"/>
+              </a:ext>
+            </a:extLst>
+          </p:cNvPr>
+          <p:cNvSpPr/>
+          <p:nvPr/>
+        </p:nvSpPr>
+        <p:spPr>
+          <a:xfrm>
+            <a:off x="10209964" y="3563844"/>
+            <a:ext cx="1914226" cy="988318"/>
+          </a:xfrm>
+          <a:prstGeom prst="round2DiagRect">
+            <a:avLst/>
+          </a:prstGeom>
+          <a:solidFill>
+            <a:srgbClr val="7030A0"/>
+          </a:solidFill>
+        </p:spPr>
+        <p:style>
+          <a:lnRef idx="2">
+            <a:schemeClr val="accent1">
+              <a:shade val="50000"/>
+            </a:schemeClr>
+          </a:lnRef>
+          <a:fillRef idx="1">
+            <a:schemeClr val="accent1"/>
+          </a:fillRef>
+          <a:effectRef idx="0">
+            <a:schemeClr val="accent1"/>
+          </a:effectRef>
+          <a:fontRef idx="minor">
+            <a:schemeClr val="lt1"/>
+          </a:fontRef>
+        </p:style>
+        <p:txBody>
+          <a:bodyPr rtlCol="0" anchor="ctr"/>
+          <a:lstStyle/>
+          <a:p>
+            <a:pPr algn="ctr"/>
+            <a:r>
+              <a:rPr lang="pt-BR" sz="1600" dirty="0"/>
+              <a:t>PARA O MELHOR MONITORAMENTO</a:t>
+            </a:r>
+          </a:p>
+          <a:p>
+            <a:pPr algn="ctr"/>
+            <a:r>
+              <a:rPr lang="pt-BR" sz="1600" dirty="0"/>
+              <a:t>DAS MAQUINAS</a:t>
+            </a:r>
+          </a:p>
+        </p:txBody>
+      </p:sp>
+      <p:sp>
+        <p:nvSpPr>
+          <p:cNvPr id="42" name="Retângulo: Cantos Diagonais Arredondados 41">
+            <a:extLst>
+              <a:ext uri="{FF2B5EF4-FFF2-40B4-BE49-F238E27FC236}">
+                <a16:creationId xmlns:a16="http://schemas.microsoft.com/office/drawing/2014/main" id="{A2CE45FB-1910-4DDB-9276-96D25DB5FB12}"/>
+              </a:ext>
+            </a:extLst>
+          </p:cNvPr>
+          <p:cNvSpPr/>
+          <p:nvPr/>
+        </p:nvSpPr>
+        <p:spPr>
+          <a:xfrm>
+            <a:off x="4195795" y="5664296"/>
+            <a:ext cx="2076864" cy="988318"/>
+          </a:xfrm>
+          <a:prstGeom prst="round2DiagRect">
+            <a:avLst/>
+          </a:prstGeom>
+          <a:solidFill>
+            <a:srgbClr val="7030A0"/>
+          </a:solidFill>
+        </p:spPr>
+        <p:style>
+          <a:lnRef idx="2">
+            <a:schemeClr val="accent1">
+              <a:shade val="50000"/>
+            </a:schemeClr>
+          </a:lnRef>
+          <a:fillRef idx="1">
+            <a:schemeClr val="accent1"/>
+          </a:fillRef>
+          <a:effectRef idx="0">
+            <a:schemeClr val="accent1"/>
+          </a:effectRef>
+          <a:fontRef idx="minor">
+            <a:schemeClr val="lt1"/>
+          </a:fontRef>
+        </p:style>
+        <p:txBody>
+          <a:bodyPr rtlCol="0" anchor="ctr"/>
+          <a:lstStyle/>
+          <a:p>
+            <a:pPr algn="ctr"/>
+            <a:r>
+              <a:rPr lang="pt-BR" sz="1600" dirty="0"/>
+              <a:t>PARA A COMUNICAÇÃO COM O TIME</a:t>
             </a:r>
           </a:p>
         </p:txBody>
